--- a/C_C++/PPT/C++/C++_5_생성자_Static_소멸자.pptx
+++ b/C_C++/PPT/C++/C++_5_생성자_Static_소멸자.pptx
@@ -6157,14 +6157,21 @@
                 <a:latin typeface="HY견고딕" panose="02030600000101010101" pitchFamily="18" charset="-127"/>
                 <a:ea typeface="HY견고딕" panose="02030600000101010101" pitchFamily="18" charset="-127"/>
               </a:rPr>
-              <a:t>	person p1(26, "</a:t>
+              <a:t>	</a:t>
+            </a:r>
+            <a:r>
+              <a:rPr lang="en-US" altLang="ko-KR" sz="1200">
+                <a:latin typeface="HY견고딕" panose="02030600000101010101" pitchFamily="18" charset="-127"/>
+                <a:ea typeface="HY견고딕" panose="02030600000101010101" pitchFamily="18" charset="-127"/>
+              </a:rPr>
+              <a:t>person p1(37, "</a:t>
             </a:r>
             <a:r>
               <a:rPr lang="ko-KR" altLang="en-US" sz="1200" dirty="0">
                 <a:latin typeface="HY견고딕" panose="02030600000101010101" pitchFamily="18" charset="-127"/>
                 <a:ea typeface="HY견고딕" panose="02030600000101010101" pitchFamily="18" charset="-127"/>
               </a:rPr>
-              <a:t>최정호</a:t>
+              <a:t>최지현</a:t>
             </a:r>
             <a:r>
               <a:rPr lang="en-US" altLang="ko-KR" sz="1200" dirty="0">
